--- a/presentation/FinalPresentation.pptx
+++ b/presentation/FinalPresentation.pptx
@@ -17846,14 +17846,19 @@
             <p:ph type="title"/>
           </p:nvPr>
         </p:nvSpPr>
-        <p:spPr/>
+        <p:spPr>
+          <a:xfrm>
+            <a:off x="672350" y="436450"/>
+            <a:ext cx="5855866" cy="572700"/>
+          </a:xfrm>
+        </p:spPr>
         <p:txBody>
           <a:bodyPr/>
           <a:lstStyle/>
           <a:p>
             <a:r>
               <a:rPr lang="fr-CH" dirty="0"/>
-              <a:t>Machine Learning</a:t>
+              <a:t>Segmentation - Machine Learning</a:t>
             </a:r>
             <a:endParaRPr lang="en-CH" dirty="0"/>
           </a:p>
@@ -19010,6 +19015,35 @@
           </a:prstGeom>
         </p:spPr>
       </p:pic>
+      <p:pic>
+        <p:nvPicPr>
+          <p:cNvPr id="5" name="Picture 4">
+            <a:extLst>
+              <a:ext uri="{FF2B5EF4-FFF2-40B4-BE49-F238E27FC236}">
+                <a16:creationId xmlns:a16="http://schemas.microsoft.com/office/drawing/2014/main" id="{7BC75194-9B1A-41F1-9D09-54EFD5DC7A0F}"/>
+              </a:ext>
+            </a:extLst>
+          </p:cNvPr>
+          <p:cNvPicPr>
+            <a:picLocks noChangeAspect="1"/>
+          </p:cNvPicPr>
+          <p:nvPr/>
+        </p:nvPicPr>
+        <p:blipFill rotWithShape="1">
+          <a:blip r:embed="rId3"/>
+          <a:srcRect t="6023" b="7595"/>
+          <a:stretch/>
+        </p:blipFill>
+        <p:spPr>
+          <a:xfrm>
+            <a:off x="4322129" y="2737671"/>
+            <a:ext cx="3442804" cy="2230509"/>
+          </a:xfrm>
+          <a:prstGeom prst="rect">
+            <a:avLst/>
+          </a:prstGeom>
+        </p:spPr>
+      </p:pic>
     </p:spTree>
     <p:extLst>
       <p:ext uri="{BB962C8B-B14F-4D97-AF65-F5344CB8AC3E}">
@@ -19740,7 +19774,7 @@
           <a:p>
             <a:r>
               <a:rPr lang="fr-CH" dirty="0"/>
-              <a:t>Segmentation (</a:t>
+              <a:t>Segmentation - </a:t>
             </a:r>
             <a:r>
               <a:rPr lang="fr-CH" dirty="0" err="1"/>
@@ -19753,10 +19787,6 @@
             <a:r>
               <a:rPr lang="fr-CH" dirty="0" err="1"/>
               <a:t>Voting</a:t>
-            </a:r>
-            <a:r>
-              <a:rPr lang="fr-CH" dirty="0"/>
-              <a:t>)</a:t>
             </a:r>
             <a:br>
               <a:rPr lang="fr-CH" dirty="0"/>
@@ -20524,7 +20554,7 @@
           <a:p>
             <a:r>
               <a:rPr lang="fr-CH" dirty="0"/>
-              <a:t>Segmentation (Shape-</a:t>
+              <a:t>Segmentation - Shape-</a:t>
             </a:r>
             <a:r>
               <a:rPr lang="fr-CH" dirty="0" err="1"/>
@@ -20537,10 +20567,6 @@
             <a:r>
               <a:rPr lang="fr-CH" dirty="0" err="1"/>
               <a:t>Averaging</a:t>
-            </a:r>
-            <a:r>
-              <a:rPr lang="fr-CH" dirty="0"/>
-              <a:t>)</a:t>
             </a:r>
             <a:br>
               <a:rPr lang="fr-CH" dirty="0"/>
@@ -21040,7 +21066,7 @@
           <a:p>
             <a:r>
               <a:rPr lang="fr-CH" dirty="0"/>
-              <a:t>Segmentation (Global </a:t>
+              <a:t>Segmentation - Global </a:t>
             </a:r>
             <a:r>
               <a:rPr lang="fr-CH" dirty="0" err="1"/>
@@ -21053,10 +21079,6 @@
             <a:r>
               <a:rPr lang="fr-CH" dirty="0" err="1"/>
               <a:t>Voting</a:t>
-            </a:r>
-            <a:r>
-              <a:rPr lang="fr-CH" dirty="0"/>
-              <a:t>)</a:t>
             </a:r>
             <a:br>
               <a:rPr lang="fr-CH" dirty="0"/>
@@ -33814,7 +33836,7 @@
           <a:p>
             <a:r>
               <a:rPr lang="fr-CH" dirty="0"/>
-              <a:t>Segmentation (Local </a:t>
+              <a:t>Segmentation - Local </a:t>
             </a:r>
             <a:r>
               <a:rPr lang="fr-CH" dirty="0" err="1"/>
@@ -33827,10 +33849,6 @@
             <a:r>
               <a:rPr lang="fr-CH" dirty="0" err="1"/>
               <a:t>Voting</a:t>
-            </a:r>
-            <a:r>
-              <a:rPr lang="fr-CH" dirty="0"/>
-              <a:t>)</a:t>
             </a:r>
             <a:br>
               <a:rPr lang="fr-CH" dirty="0"/>
@@ -34055,14 +34073,19 @@
             <p:ph type="title"/>
           </p:nvPr>
         </p:nvSpPr>
-        <p:spPr/>
+        <p:spPr>
+          <a:xfrm>
+            <a:off x="672349" y="436450"/>
+            <a:ext cx="5983283" cy="572700"/>
+          </a:xfrm>
+        </p:spPr>
         <p:txBody>
           <a:bodyPr/>
           <a:lstStyle/>
           <a:p>
             <a:r>
               <a:rPr lang="fr-CH" dirty="0"/>
-              <a:t>Machine Learning</a:t>
+              <a:t>Segmentation - Machine Learning</a:t>
             </a:r>
             <a:endParaRPr lang="en-CH" dirty="0"/>
           </a:p>

--- a/presentation/FinalPresentation.pptx
+++ b/presentation/FinalPresentation.pptx
@@ -33886,7 +33886,7 @@
         </p:blipFill>
         <p:spPr bwMode="auto">
           <a:xfrm>
-            <a:off x="672350" y="2301027"/>
+            <a:off x="672350" y="2196097"/>
             <a:ext cx="8152760" cy="2639739"/>
           </a:xfrm>
           <a:prstGeom prst="rect">
@@ -33981,6 +33981,310 @@
                 </a:outerShdw>
               </a:effectLst>
             </a:endParaRPr>
+          </a:p>
+        </p:txBody>
+      </p:sp>
+      <p:sp>
+        <p:nvSpPr>
+          <p:cNvPr id="6" name="Espace réservé du texte 1">
+            <a:extLst>
+              <a:ext uri="{FF2B5EF4-FFF2-40B4-BE49-F238E27FC236}">
+                <a16:creationId xmlns:a16="http://schemas.microsoft.com/office/drawing/2014/main" id="{71EA3BBC-DD98-4033-8DF5-2DEFE0762A60}"/>
+              </a:ext>
+            </a:extLst>
+          </p:cNvPr>
+          <p:cNvSpPr txBox="1">
+            <a:spLocks/>
+          </p:cNvSpPr>
+          <p:nvPr/>
+        </p:nvSpPr>
+        <p:spPr>
+          <a:xfrm>
+            <a:off x="4084422" y="4808293"/>
+            <a:ext cx="5591728" cy="360063"/>
+          </a:xfrm>
+          <a:prstGeom prst="rect">
+            <a:avLst/>
+          </a:prstGeom>
+          <a:noFill/>
+          <a:ln>
+            <a:noFill/>
+          </a:ln>
+        </p:spPr>
+        <p:txBody>
+          <a:bodyPr spcFirstLastPara="1" wrap="square" lIns="91425" tIns="91425" rIns="91425" bIns="91425" anchor="t" anchorCtr="0">
+            <a:noAutofit/>
+          </a:bodyPr>
+          <a:lstStyle>
+            <a:defPPr marR="0" lvl="0" algn="l" rtl="0">
+              <a:lnSpc>
+                <a:spcPct val="100000"/>
+              </a:lnSpc>
+              <a:spcBef>
+                <a:spcPts val="0"/>
+              </a:spcBef>
+              <a:spcAft>
+                <a:spcPts val="0"/>
+              </a:spcAft>
+            </a:defPPr>
+            <a:lvl1pPr marL="457200" marR="0" lvl="0" indent="-330200" algn="l" rtl="0">
+              <a:lnSpc>
+                <a:spcPct val="100000"/>
+              </a:lnSpc>
+              <a:spcBef>
+                <a:spcPts val="0"/>
+              </a:spcBef>
+              <a:spcAft>
+                <a:spcPts val="0"/>
+              </a:spcAft>
+              <a:buClr>
+                <a:schemeClr val="dk1"/>
+              </a:buClr>
+              <a:buSzPts val="1600"/>
+              <a:buFont typeface="Fira Sans Condensed"/>
+              <a:buChar char="●"/>
+              <a:defRPr sz="1600" b="0" i="0" u="none" strike="noStrike" cap="none">
+                <a:solidFill>
+                  <a:schemeClr val="dk1"/>
+                </a:solidFill>
+                <a:latin typeface="Fira Sans Condensed"/>
+                <a:ea typeface="Fira Sans Condensed"/>
+                <a:cs typeface="Fira Sans Condensed"/>
+                <a:sym typeface="Fira Sans Condensed"/>
+              </a:defRPr>
+            </a:lvl1pPr>
+            <a:lvl2pPr marL="914400" marR="0" lvl="1" indent="-330200" algn="l" rtl="0">
+              <a:lnSpc>
+                <a:spcPct val="100000"/>
+              </a:lnSpc>
+              <a:spcBef>
+                <a:spcPts val="1600"/>
+              </a:spcBef>
+              <a:spcAft>
+                <a:spcPts val="0"/>
+              </a:spcAft>
+              <a:buClr>
+                <a:schemeClr val="dk1"/>
+              </a:buClr>
+              <a:buSzPts val="1600"/>
+              <a:buFont typeface="Fira Sans Condensed"/>
+              <a:buChar char="○"/>
+              <a:defRPr sz="1600" b="0" i="0" u="none" strike="noStrike" cap="none">
+                <a:solidFill>
+                  <a:schemeClr val="dk1"/>
+                </a:solidFill>
+                <a:latin typeface="Fira Sans Condensed"/>
+                <a:ea typeface="Fira Sans Condensed"/>
+                <a:cs typeface="Fira Sans Condensed"/>
+                <a:sym typeface="Fira Sans Condensed"/>
+              </a:defRPr>
+            </a:lvl2pPr>
+            <a:lvl3pPr marL="1371600" marR="0" lvl="2" indent="-330200" algn="l" rtl="0">
+              <a:lnSpc>
+                <a:spcPct val="100000"/>
+              </a:lnSpc>
+              <a:spcBef>
+                <a:spcPts val="1600"/>
+              </a:spcBef>
+              <a:spcAft>
+                <a:spcPts val="0"/>
+              </a:spcAft>
+              <a:buClr>
+                <a:schemeClr val="dk1"/>
+              </a:buClr>
+              <a:buSzPts val="1600"/>
+              <a:buFont typeface="Fira Sans Condensed"/>
+              <a:buChar char="■"/>
+              <a:defRPr sz="1600" b="0" i="0" u="none" strike="noStrike" cap="none">
+                <a:solidFill>
+                  <a:schemeClr val="dk1"/>
+                </a:solidFill>
+                <a:latin typeface="Fira Sans Condensed"/>
+                <a:ea typeface="Fira Sans Condensed"/>
+                <a:cs typeface="Fira Sans Condensed"/>
+                <a:sym typeface="Fira Sans Condensed"/>
+              </a:defRPr>
+            </a:lvl3pPr>
+            <a:lvl4pPr marL="1828800" marR="0" lvl="3" indent="-330200" algn="l" rtl="0">
+              <a:lnSpc>
+                <a:spcPct val="100000"/>
+              </a:lnSpc>
+              <a:spcBef>
+                <a:spcPts val="1600"/>
+              </a:spcBef>
+              <a:spcAft>
+                <a:spcPts val="0"/>
+              </a:spcAft>
+              <a:buClr>
+                <a:schemeClr val="dk1"/>
+              </a:buClr>
+              <a:buSzPts val="1600"/>
+              <a:buFont typeface="Fira Sans Condensed"/>
+              <a:buChar char="●"/>
+              <a:defRPr sz="1600" b="0" i="0" u="none" strike="noStrike" cap="none">
+                <a:solidFill>
+                  <a:schemeClr val="dk1"/>
+                </a:solidFill>
+                <a:latin typeface="Fira Sans Condensed"/>
+                <a:ea typeface="Fira Sans Condensed"/>
+                <a:cs typeface="Fira Sans Condensed"/>
+                <a:sym typeface="Fira Sans Condensed"/>
+              </a:defRPr>
+            </a:lvl4pPr>
+            <a:lvl5pPr marL="2286000" marR="0" lvl="4" indent="-330200" algn="l" rtl="0">
+              <a:lnSpc>
+                <a:spcPct val="100000"/>
+              </a:lnSpc>
+              <a:spcBef>
+                <a:spcPts val="1600"/>
+              </a:spcBef>
+              <a:spcAft>
+                <a:spcPts val="0"/>
+              </a:spcAft>
+              <a:buClr>
+                <a:schemeClr val="dk1"/>
+              </a:buClr>
+              <a:buSzPts val="1600"/>
+              <a:buFont typeface="Fira Sans Condensed"/>
+              <a:buChar char="○"/>
+              <a:defRPr sz="1600" b="0" i="0" u="none" strike="noStrike" cap="none">
+                <a:solidFill>
+                  <a:schemeClr val="dk1"/>
+                </a:solidFill>
+                <a:latin typeface="Fira Sans Condensed"/>
+                <a:ea typeface="Fira Sans Condensed"/>
+                <a:cs typeface="Fira Sans Condensed"/>
+                <a:sym typeface="Fira Sans Condensed"/>
+              </a:defRPr>
+            </a:lvl5pPr>
+            <a:lvl6pPr marL="2743200" marR="0" lvl="5" indent="-330200" algn="l" rtl="0">
+              <a:lnSpc>
+                <a:spcPct val="100000"/>
+              </a:lnSpc>
+              <a:spcBef>
+                <a:spcPts val="1600"/>
+              </a:spcBef>
+              <a:spcAft>
+                <a:spcPts val="0"/>
+              </a:spcAft>
+              <a:buClr>
+                <a:schemeClr val="dk1"/>
+              </a:buClr>
+              <a:buSzPts val="1600"/>
+              <a:buFont typeface="Fira Sans Condensed"/>
+              <a:buChar char="■"/>
+              <a:defRPr sz="1600" b="0" i="0" u="none" strike="noStrike" cap="none">
+                <a:solidFill>
+                  <a:schemeClr val="dk1"/>
+                </a:solidFill>
+                <a:latin typeface="Fira Sans Condensed"/>
+                <a:ea typeface="Fira Sans Condensed"/>
+                <a:cs typeface="Fira Sans Condensed"/>
+                <a:sym typeface="Fira Sans Condensed"/>
+              </a:defRPr>
+            </a:lvl6pPr>
+            <a:lvl7pPr marL="3200400" marR="0" lvl="6" indent="-330200" algn="l" rtl="0">
+              <a:lnSpc>
+                <a:spcPct val="100000"/>
+              </a:lnSpc>
+              <a:spcBef>
+                <a:spcPts val="1600"/>
+              </a:spcBef>
+              <a:spcAft>
+                <a:spcPts val="0"/>
+              </a:spcAft>
+              <a:buClr>
+                <a:schemeClr val="dk1"/>
+              </a:buClr>
+              <a:buSzPts val="1600"/>
+              <a:buFont typeface="Fira Sans Condensed"/>
+              <a:buChar char="●"/>
+              <a:defRPr sz="1600" b="0" i="0" u="none" strike="noStrike" cap="none">
+                <a:solidFill>
+                  <a:schemeClr val="dk1"/>
+                </a:solidFill>
+                <a:latin typeface="Fira Sans Condensed"/>
+                <a:ea typeface="Fira Sans Condensed"/>
+                <a:cs typeface="Fira Sans Condensed"/>
+                <a:sym typeface="Fira Sans Condensed"/>
+              </a:defRPr>
+            </a:lvl7pPr>
+            <a:lvl8pPr marL="3657600" marR="0" lvl="7" indent="-330200" algn="l" rtl="0">
+              <a:lnSpc>
+                <a:spcPct val="100000"/>
+              </a:lnSpc>
+              <a:spcBef>
+                <a:spcPts val="1600"/>
+              </a:spcBef>
+              <a:spcAft>
+                <a:spcPts val="0"/>
+              </a:spcAft>
+              <a:buClr>
+                <a:schemeClr val="dk1"/>
+              </a:buClr>
+              <a:buSzPts val="1600"/>
+              <a:buFont typeface="Fira Sans Condensed"/>
+              <a:buChar char="○"/>
+              <a:defRPr sz="1600" b="0" i="0" u="none" strike="noStrike" cap="none">
+                <a:solidFill>
+                  <a:schemeClr val="dk1"/>
+                </a:solidFill>
+                <a:latin typeface="Fira Sans Condensed"/>
+                <a:ea typeface="Fira Sans Condensed"/>
+                <a:cs typeface="Fira Sans Condensed"/>
+                <a:sym typeface="Fira Sans Condensed"/>
+              </a:defRPr>
+            </a:lvl8pPr>
+            <a:lvl9pPr marL="4114800" marR="0" lvl="8" indent="-330200" algn="l" rtl="0">
+              <a:lnSpc>
+                <a:spcPct val="100000"/>
+              </a:lnSpc>
+              <a:spcBef>
+                <a:spcPts val="1600"/>
+              </a:spcBef>
+              <a:spcAft>
+                <a:spcPts val="1600"/>
+              </a:spcAft>
+              <a:buClr>
+                <a:schemeClr val="dk1"/>
+              </a:buClr>
+              <a:buSzPts val="1600"/>
+              <a:buFont typeface="Fira Sans Condensed"/>
+              <a:buChar char="■"/>
+              <a:defRPr sz="1600" b="0" i="0" u="none" strike="noStrike" cap="none">
+                <a:solidFill>
+                  <a:schemeClr val="dk1"/>
+                </a:solidFill>
+                <a:latin typeface="Fira Sans Condensed"/>
+                <a:ea typeface="Fira Sans Condensed"/>
+                <a:cs typeface="Fira Sans Condensed"/>
+                <a:sym typeface="Fira Sans Condensed"/>
+              </a:defRPr>
+            </a:lvl9pPr>
+          </a:lstStyle>
+          <a:p>
+            <a:pPr marL="127000" indent="0">
+              <a:spcAft>
+                <a:spcPts val="600"/>
+              </a:spcAft>
+              <a:buFont typeface="Fira Sans Condensed"/>
+              <a:buNone/>
+            </a:pPr>
+            <a:r>
+              <a:rPr lang="en-GB" sz="1200" i="1" dirty="0"/>
+              <a:t>(https://link.springer.com/chapter/10.1007%2F978-3-030-59716-0</a:t>
+            </a:r>
+            <a:r>
+              <a:rPr lang="en-GB" sz="1200" i="1" dirty="0">
+                <a:sym typeface="Symbol" panose="05050102010706020507" pitchFamily="18" charset="2"/>
+              </a:rPr>
+              <a:t></a:t>
+            </a:r>
+            <a:r>
+              <a:rPr lang="en-GB" sz="1200" i="1" dirty="0"/>
+              <a:t>23)</a:t>
+            </a:r>
+            <a:endParaRPr lang="en-GB" i="1" dirty="0"/>
           </a:p>
         </p:txBody>
       </p:sp>

--- a/presentation/FinalPresentation.pptx
+++ b/presentation/FinalPresentation.pptx
@@ -33918,7 +33918,7 @@
         </p:nvSpPr>
         <p:spPr>
           <a:xfrm>
-            <a:off x="7853081" y="2989089"/>
+            <a:off x="7853081" y="2891431"/>
             <a:ext cx="737667" cy="161365"/>
           </a:xfrm>
           <a:prstGeom prst="rect">
